--- a/docs/graphics.pptx
+++ b/docs/graphics.pptx
@@ -8540,7 +8540,7 @@
         <p:spPr>
           <a:xfrm>
             <a:off x="1001486" y="4999409"/>
-            <a:ext cx="7661072" cy="769441"/>
+            <a:ext cx="10124888" cy="769441"/>
           </a:xfrm>
           <a:prstGeom prst="rect">
             <a:avLst/>
@@ -8593,7 +8593,48 @@
                 <a:latin typeface="Courier New" panose="02070309020205020404" pitchFamily="49" charset="0"/>
                 <a:cs typeface="Courier New" panose="02070309020205020404" pitchFamily="49" charset="0"/>
               </a:rPr>
-              <a:t>  &lt;A/D&gt;:Change frame  &lt;Z&gt;:Meta mode  &lt;X&gt;:Texture mode  &lt;C&gt;:Collider mode</a:t>
+              <a:t>  &lt;A/D&gt;:Change frame  &lt;SPACE&gt;:Edit current preview  &lt;Z&gt;:Meta mode  &lt;X&gt;:Texture mode  &lt;C&gt;:Collider mode</a:t>
+            </a:r>
+          </a:p>
+        </p:txBody>
+      </p:sp>
+      <p:sp>
+        <p:nvSpPr>
+          <p:cNvPr id="20" name="TextBox 19"/>
+          <p:cNvSpPr txBox="1"/>
+          <p:nvPr/>
+        </p:nvSpPr>
+        <p:spPr>
+          <a:xfrm>
+            <a:off x="1031438" y="1087035"/>
+            <a:ext cx="2818400" cy="430887"/>
+          </a:xfrm>
+          <a:prstGeom prst="rect">
+            <a:avLst/>
+          </a:prstGeom>
+          <a:noFill/>
+        </p:spPr>
+        <p:txBody>
+          <a:bodyPr wrap="none" rtlCol="0">
+            <a:spAutoFit/>
+          </a:bodyPr>
+          <a:lstStyle/>
+          <a:p>
+            <a:r>
+              <a:rPr lang="en-US" sz="1100" dirty="0">
+                <a:latin typeface="Courier New" panose="02070309020205020404" pitchFamily="49" charset="0"/>
+                <a:cs typeface="Courier New" panose="02070309020205020404" pitchFamily="49" charset="0"/>
+              </a:rPr>
+              <a:t>Preview FPS: 60 &lt;-/+&gt; to change</a:t>
+            </a:r>
+          </a:p>
+          <a:p>
+            <a:r>
+              <a:rPr lang="en-US" sz="1100" dirty="0">
+                <a:latin typeface="Courier New" panose="02070309020205020404" pitchFamily="49" charset="0"/>
+                <a:cs typeface="Courier New" panose="02070309020205020404" pitchFamily="49" charset="0"/>
+              </a:rPr>
+              <a:t>Data FPS: 60</a:t>
             </a:r>
           </a:p>
         </p:txBody>
@@ -9342,7 +9383,7 @@
         <p:spPr>
           <a:xfrm>
             <a:off x="1001486" y="5001295"/>
-            <a:ext cx="7746031" cy="769441"/>
+            <a:ext cx="10209846" cy="769441"/>
           </a:xfrm>
           <a:prstGeom prst="rect">
             <a:avLst/>
@@ -9395,7 +9436,48 @@
                 <a:latin typeface="Courier New" panose="02070309020205020404" pitchFamily="49" charset="0"/>
                 <a:cs typeface="Courier New" panose="02070309020205020404" pitchFamily="49" charset="0"/>
               </a:rPr>
-              <a:t>  &lt;A/D&gt;:Change frame  &lt;Z&gt;:Meta mode  &lt;X&gt;:Texture mode  &lt;C&gt;:Collider mode</a:t>
+              <a:t>  &lt;A/D&gt;:Change frame  &lt;SPACE&gt;:Edit current preview  &lt;Z&gt;:Meta mode  &lt;X&gt;:Texture mode  &lt;C&gt;:Collider mode</a:t>
+            </a:r>
+          </a:p>
+        </p:txBody>
+      </p:sp>
+      <p:sp>
+        <p:nvSpPr>
+          <p:cNvPr id="20" name="TextBox 19"/>
+          <p:cNvSpPr txBox="1"/>
+          <p:nvPr/>
+        </p:nvSpPr>
+        <p:spPr>
+          <a:xfrm>
+            <a:off x="1031438" y="1087035"/>
+            <a:ext cx="2818400" cy="430887"/>
+          </a:xfrm>
+          <a:prstGeom prst="rect">
+            <a:avLst/>
+          </a:prstGeom>
+          <a:noFill/>
+        </p:spPr>
+        <p:txBody>
+          <a:bodyPr wrap="none" rtlCol="0">
+            <a:spAutoFit/>
+          </a:bodyPr>
+          <a:lstStyle/>
+          <a:p>
+            <a:r>
+              <a:rPr lang="en-US" sz="1100" dirty="0">
+                <a:latin typeface="Courier New" panose="02070309020205020404" pitchFamily="49" charset="0"/>
+                <a:cs typeface="Courier New" panose="02070309020205020404" pitchFamily="49" charset="0"/>
+              </a:rPr>
+              <a:t>Preview FPS: 60 &lt;-/+&gt; to change</a:t>
+            </a:r>
+          </a:p>
+          <a:p>
+            <a:r>
+              <a:rPr lang="en-US" sz="1100" dirty="0">
+                <a:latin typeface="Courier New" panose="02070309020205020404" pitchFamily="49" charset="0"/>
+                <a:cs typeface="Courier New" panose="02070309020205020404" pitchFamily="49" charset="0"/>
+              </a:rPr>
+              <a:t>Data FPS: 60</a:t>
             </a:r>
           </a:p>
         </p:txBody>
@@ -10144,7 +10226,7 @@
         <p:spPr>
           <a:xfrm>
             <a:off x="1001486" y="4999409"/>
-            <a:ext cx="9954969" cy="769441"/>
+            <a:ext cx="10209846" cy="769441"/>
           </a:xfrm>
           <a:prstGeom prst="rect">
             <a:avLst/>
@@ -10176,7 +10258,7 @@
                 <a:latin typeface="Courier New" panose="02070309020205020404" pitchFamily="49" charset="0"/>
                 <a:cs typeface="Courier New" panose="02070309020205020404" pitchFamily="49" charset="0"/>
               </a:rPr>
-              <a:t>&gt;:Resize box  &lt;0-8&gt;:Change layer</a:t>
+              <a:t>&gt;:Resize box  &lt;1-8&gt;:Change layer</a:t>
             </a:r>
           </a:p>
           <a:p>
@@ -10231,7 +10313,48 @@
                 <a:latin typeface="Courier New" panose="02070309020205020404" pitchFamily="49" charset="0"/>
                 <a:cs typeface="Courier New" panose="02070309020205020404" pitchFamily="49" charset="0"/>
               </a:rPr>
-              <a:t>  &lt;A/D&gt;:Change frame  &lt;Z&gt;:Meta mode  &lt;X&gt;:Texture mode  &lt;C&gt;:Collider mode</a:t>
+              <a:t>  &lt;A/D&gt;:Change frame  &lt;SPACE&gt;:Edit current preview  &lt;Z&gt;:Meta mode  &lt;X&gt;:Texture mode  &lt;C&gt;:Collider mode</a:t>
+            </a:r>
+          </a:p>
+        </p:txBody>
+      </p:sp>
+      <p:sp>
+        <p:nvSpPr>
+          <p:cNvPr id="20" name="TextBox 19"/>
+          <p:cNvSpPr txBox="1"/>
+          <p:nvPr/>
+        </p:nvSpPr>
+        <p:spPr>
+          <a:xfrm>
+            <a:off x="1031438" y="1087035"/>
+            <a:ext cx="2818400" cy="430887"/>
+          </a:xfrm>
+          <a:prstGeom prst="rect">
+            <a:avLst/>
+          </a:prstGeom>
+          <a:noFill/>
+        </p:spPr>
+        <p:txBody>
+          <a:bodyPr wrap="none" rtlCol="0">
+            <a:spAutoFit/>
+          </a:bodyPr>
+          <a:lstStyle/>
+          <a:p>
+            <a:r>
+              <a:rPr lang="en-US" sz="1100" dirty="0">
+                <a:latin typeface="Courier New" panose="02070309020205020404" pitchFamily="49" charset="0"/>
+                <a:cs typeface="Courier New" panose="02070309020205020404" pitchFamily="49" charset="0"/>
+              </a:rPr>
+              <a:t>Preview FPS: 60 &lt;-/+&gt; to change</a:t>
+            </a:r>
+          </a:p>
+          <a:p>
+            <a:r>
+              <a:rPr lang="en-US" sz="1100" dirty="0">
+                <a:latin typeface="Courier New" panose="02070309020205020404" pitchFamily="49" charset="0"/>
+                <a:cs typeface="Courier New" panose="02070309020205020404" pitchFamily="49" charset="0"/>
+              </a:rPr>
+              <a:t>Data FPS: 60</a:t>
             </a:r>
           </a:p>
         </p:txBody>
